--- a/teaching/CS473-Fall2022/integration/Integration.pptx
+++ b/teaching/CS473-Fall2022/integration/Integration.pptx
@@ -19745,6 +19745,9 @@
             </a:r>
           </a:p>
           <a:p>
+            <a:pPr marL="0" indent="0">
+              <a:buNone/>
+            </a:pPr>
             <a:endParaRPr lang="en-BE" sz="3600" dirty="0"/>
           </a:p>
           <a:p>
@@ -19752,6 +19755,24 @@
               <a:rPr lang="en-BE" sz="3600" dirty="0"/>
               <a:t>Let us go to the Lab.</a:t>
             </a:r>
+          </a:p>
+          <a:p>
+            <a:pPr lvl="1"/>
+            <a:r>
+              <a:rPr lang="en-BE" sz="2800" b="1" dirty="0"/>
+              <a:t>Read the paper and understand</a:t>
+            </a:r>
+            <a:r>
+              <a:rPr lang="en-BE" sz="2800" dirty="0"/>
+              <a:t>: </a:t>
+            </a:r>
+            <a:r>
+              <a:rPr lang="en-BE" sz="2800" dirty="0">
+                <a:hlinkClick r:id="rId2"/>
+              </a:rPr>
+              <a:t>RePatch</a:t>
+            </a:r>
+            <a:endParaRPr lang="en-BE" sz="2800" dirty="0"/>
           </a:p>
         </p:txBody>
       </p:sp>

--- a/teaching/CS473-Fall2022/integration/Integration.pptx
+++ b/teaching/CS473-Fall2022/integration/Integration.pptx
@@ -25344,7 +25344,7 @@
           <a:p>
             <a:r>
               <a:rPr lang="en-US" sz="4000" dirty="0"/>
-              <a:t> Causes of Merge Conflicts</a:t>
+              <a:t>Illustration of patches between variants</a:t>
             </a:r>
           </a:p>
         </p:txBody>
